--- a/算法.pptx
+++ b/算法.pptx
@@ -13061,7 +13061,7 @@
               <a:rPr lang="en-US" altLang="zh-CN" dirty="0">
                 <a:sym typeface="+mn-ea"/>
               </a:rPr>
-              <a:t>D5</a:t>
+              <a:t>D6</a:t>
             </a:r>
             <a:r>
               <a:rPr lang="zh-CN" altLang="en-US" dirty="0">
@@ -13951,7 +13951,7 @@
           <p:nvPr/>
         </p:nvGraphicFramePr>
         <p:xfrm>
-          <a:off x="5191760" y="2173605"/>
+          <a:off x="5178425" y="2310130"/>
           <a:ext cx="1365885" cy="531495"/>
         </p:xfrm>
         <a:graphic>
@@ -13979,7 +13979,7 @@
                     </p:blipFill>
                     <p:spPr>
                       <a:xfrm>
-                        <a:off x="5191760" y="2173605"/>
+                        <a:off x="5178425" y="2310130"/>
                         <a:ext cx="1365885" cy="531495"/>
                       </a:xfrm>
                       <a:prstGeom prst="rect">

--- a/算法.pptx
+++ b/算法.pptx
@@ -28,15 +28,14 @@
     <p:embeddedFont>
       <p:font typeface="等线" panose="02010600030101010101" charset="0"/>
       <p:regular r:id="rId20"/>
-      <p:bold r:id="rId21"/>
     </p:embeddedFont>
     <p:embeddedFont>
       <p:font typeface="等线" panose="02010600030101010101" charset="-122"/>
-      <p:regular r:id="rId22"/>
+      <p:regular r:id="rId21"/>
     </p:embeddedFont>
     <p:embeddedFont>
       <p:font typeface="等线 Light" panose="02010600030101010101" charset="0"/>
-      <p:regular r:id="rId23"/>
+      <p:regular r:id="rId22"/>
     </p:embeddedFont>
   </p:embeddedFontLst>
   <p:defaultTextStyle>
@@ -8915,7 +8914,7 @@
         </p:nvCxnSpPr>
         <p:spPr>
           <a:xfrm flipV="1">
-            <a:off x="7000240" y="4599305"/>
+            <a:off x="6560185" y="4523105"/>
             <a:ext cx="1859280" cy="1539240"/>
           </a:xfrm>
           <a:prstGeom prst="line">

--- a/算法.pptx
+++ b/算法.pptx
@@ -8914,7 +8914,7 @@
         </p:nvCxnSpPr>
         <p:spPr>
           <a:xfrm flipV="1">
-            <a:off x="6560185" y="4523105"/>
+            <a:off x="7038975" y="4559935"/>
             <a:ext cx="1859280" cy="1539240"/>
           </a:xfrm>
           <a:prstGeom prst="line">

--- a/算法.pptx
+++ b/算法.pptx
@@ -10405,7 +10405,7 @@
               <a:rPr lang="en-US" altLang="zh-CN" dirty="0">
                 <a:sym typeface="+mn-ea"/>
               </a:rPr>
-              <a:t>i &lt;&lt;&lt;&lt;&lt; &lt;&lt;</a:t>
+              <a:t>i &lt;</a:t>
             </a:r>
             <a:r>
               <a:rPr lang="en-US" altLang="zh-CN" dirty="0">
@@ -10418,13 +10418,13 @@
                 <a:ea typeface="宋体" panose="02010600030101010101" pitchFamily="2" charset="-122"/>
                 <a:sym typeface="+mn-ea"/>
               </a:rPr>
-              <a:t>&lt; </a:t>
+              <a:t> </a:t>
             </a:r>
             <a:r>
               <a:rPr lang="en-US" altLang="zh-CN" dirty="0">
                 <a:sym typeface="+mn-ea"/>
               </a:rPr>
-              <a:t>&lt;m , j = m </a:t>
+              <a:t>m , j = m </a:t>
             </a:r>
             <a:endParaRPr lang="en-US" altLang="zh-CN" dirty="0"/>
           </a:p>
@@ -10439,7 +10439,7 @@
               <a:rPr lang="en-US" altLang="zh-CN" dirty="0">
                 <a:sym typeface="+mn-ea"/>
               </a:rPr>
-              <a:t>#D1</a:t>
+              <a:t>D1</a:t>
             </a:r>
             <a:r>
               <a:rPr lang="zh-CN" altLang="en-US" dirty="0">
@@ -10473,7 +10473,7 @@
               <a:rPr lang="zh-CN" altLang="en-US" dirty="0">
                 <a:sym typeface="+mn-ea"/>
               </a:rPr>
-              <a:t>一是为所以磁盘增加一个</a:t>
+              <a:t>一是为所有磁盘增加一个</a:t>
             </a:r>
             <a:r>
               <a:rPr lang="en-US" altLang="zh-CN" dirty="0">
@@ -10496,19 +10496,7 @@
               <a:rPr lang="zh-CN" altLang="en-US" dirty="0">
                 <a:sym typeface="+mn-ea"/>
               </a:rPr>
-              <a:t>二是通过公示</a:t>
-            </a:r>
-            <a:r>
-              <a:rPr lang="en-US" altLang="zh-CN" dirty="0">
-                <a:sym typeface="+mn-ea"/>
-              </a:rPr>
-              <a:t>()()Z</a:t>
-            </a:r>
-            <a:r>
-              <a:rPr lang="zh-CN" altLang="en-US" dirty="0">
-                <a:sym typeface="+mn-ea"/>
-              </a:rPr>
-              <a:t>（</a:t>
+              <a:t>二是通过公示（</a:t>
             </a:r>
             <a:r>
               <a:rPr lang="en-US" altLang="zh-CN" dirty="0">
@@ -13014,26 +13002,7 @@
               <a:rPr lang="en-US" altLang="zh-CN" dirty="0">
                 <a:sym typeface="+mn-ea"/>
               </a:rPr>
-              <a:t>i &lt;&lt;&lt;&lt;&lt; &lt;&lt;</a:t>
-            </a:r>
-            <a:r>
-              <a:rPr lang="en-US" altLang="zh-CN" dirty="0">
-                <a:solidFill>
-                  <a:schemeClr val="bg1">
-                    <a:lumMod val="50000"/>
-                  </a:schemeClr>
-                </a:solidFill>
-                <a:latin typeface="宋体" panose="02010600030101010101" pitchFamily="2" charset="-122"/>
-                <a:ea typeface="宋体" panose="02010600030101010101" pitchFamily="2" charset="-122"/>
-                <a:sym typeface="+mn-ea"/>
-              </a:rPr>
-              <a:t>&lt; </a:t>
-            </a:r>
-            <a:r>
-              <a:rPr lang="en-US" altLang="zh-CN" dirty="0">
-                <a:sym typeface="+mn-ea"/>
-              </a:rPr>
-              <a:t>&lt;m , j = m + 1</a:t>
+              <a:t>i &lt; m , j = m + 1</a:t>
             </a:r>
             <a:endParaRPr lang="en-US" altLang="zh-CN" dirty="0"/>
           </a:p>
@@ -13482,26 +13451,7 @@
               <a:rPr lang="en-US" altLang="zh-CN" dirty="0">
                 <a:sym typeface="+mn-ea"/>
               </a:rPr>
-              <a:t>i &lt;&lt;&lt;&lt;&lt; &lt;&lt;</a:t>
-            </a:r>
-            <a:r>
-              <a:rPr lang="en-US" altLang="zh-CN" dirty="0">
-                <a:solidFill>
-                  <a:schemeClr val="bg1">
-                    <a:lumMod val="50000"/>
-                  </a:schemeClr>
-                </a:solidFill>
-                <a:latin typeface="宋体" panose="02010600030101010101" pitchFamily="2" charset="-122"/>
-                <a:ea typeface="宋体" panose="02010600030101010101" pitchFamily="2" charset="-122"/>
-                <a:sym typeface="+mn-ea"/>
-              </a:rPr>
-              <a:t>&lt; </a:t>
-            </a:r>
-            <a:r>
-              <a:rPr lang="en-US" altLang="zh-CN" dirty="0">
-                <a:sym typeface="+mn-ea"/>
-              </a:rPr>
-              <a:t>&lt;m , j </a:t>
+              <a:t>i &lt;m , j </a:t>
             </a:r>
             <a:r>
               <a:rPr lang="en-US" altLang="zh-CN" dirty="0">
@@ -13595,37 +13545,13 @@
               <a:rPr lang="en-US" altLang="zh-CN" dirty="0">
                 <a:sym typeface="+mn-ea"/>
               </a:rPr>
-              <a:t>77777777777777777777777777777777777&amp;777</a:t>
+              <a:t>7</a:t>
             </a:r>
             <a:r>
               <a:rPr lang="zh-CN" altLang="en-US" dirty="0">
                 <a:sym typeface="+mn-ea"/>
               </a:rPr>
-              <a:t>）</a:t>
-            </a:r>
-            <a:r>
-              <a:rPr lang="en-US" altLang="zh-CN" dirty="0">
-                <a:sym typeface="+mn-ea"/>
-              </a:rPr>
-              <a:t>7777</a:t>
-            </a:r>
-            <a:r>
-              <a:rPr lang="zh-CN" altLang="en-US" dirty="0">
-                <a:sym typeface="+mn-ea"/>
-              </a:rPr>
-              <a:t>和公式</a:t>
-            </a:r>
-            <a:r>
-              <a:rPr lang="en-US" altLang="zh-CN" dirty="0">
-                <a:sym typeface="+mn-ea"/>
-              </a:rPr>
-              <a:t>777</a:t>
-            </a:r>
-            <a:r>
-              <a:rPr lang="zh-CN" altLang="en-US" dirty="0">
-                <a:sym typeface="+mn-ea"/>
-              </a:rPr>
-              <a:t>（</a:t>
+              <a:t>）和公式（</a:t>
             </a:r>
             <a:r>
               <a:rPr lang="en-US" altLang="zh-CN" dirty="0">

--- a/算法.pptx
+++ b/算法.pptx
@@ -1797,7 +1797,7 @@
         <p:spPr>
           <a:xfrm>
             <a:off x="2818130" y="4134485"/>
-            <a:ext cx="960120" cy="365760"/>
+            <a:ext cx="1043305" cy="365760"/>
           </a:xfrm>
           <a:prstGeom prst="rect">
             <a:avLst/>
@@ -1813,7 +1813,7 @@
           <a:p>
             <a:r>
               <a:rPr lang="en-US" altLang="zh-CN"/>
-              <a:t>s-()()()</a:t>
+              <a:t>s-</a:t>
             </a:r>
             <a:r>
               <a:rPr lang="zh-CN" altLang="en-US"/>
@@ -13017,7 +13017,7 @@
               <a:rPr lang="en-US" altLang="zh-CN" dirty="0">
                 <a:sym typeface="+mn-ea"/>
               </a:rPr>
-              <a:t>#D1</a:t>
+              <a:t>D1</a:t>
             </a:r>
             <a:r>
               <a:rPr lang="zh-CN" altLang="en-US" dirty="0">
@@ -13500,10 +13500,6 @@
             <a:endParaRPr lang="zh-CN" altLang="en-US" dirty="0"/>
           </a:p>
           <a:p>
-            <a:r>
-              <a:rPr lang="en-US" altLang="zh-CN" dirty="0"/>
-              <a:t>7</a:t>
-            </a:r>
             <a:endParaRPr lang="en-US" altLang="zh-CN" dirty="0"/>
           </a:p>
           <a:p>

--- a/算法.pptx
+++ b/算法.pptx
@@ -4018,7 +4018,7 @@
         <p:spPr>
           <a:xfrm>
             <a:off x="1344023" y="764961"/>
-            <a:ext cx="4450080" cy="304800"/>
+            <a:ext cx="4805680" cy="304800"/>
           </a:xfrm>
           <a:prstGeom prst="rect">
             <a:avLst/>
@@ -4038,7 +4038,7 @@
                   </a:schemeClr>
                 </a:solidFill>
               </a:rPr>
-              <a:t>当一个数据磁盘出错时的情况，解码仍然分为四种情况</a:t>
+              <a:t>当一个数据磁盘出错时的情况，解码更改仍然分为四种情况</a:t>
             </a:r>
             <a:endParaRPr lang="zh-CN" altLang="en-US" sz="1400" dirty="0">
               <a:solidFill>
@@ -4316,7 +4316,7 @@
         <p:spPr>
           <a:xfrm>
             <a:off x="1344023" y="764961"/>
-            <a:ext cx="4450080" cy="304800"/>
+            <a:ext cx="4805680" cy="304800"/>
           </a:xfrm>
           <a:prstGeom prst="rect">
             <a:avLst/>
@@ -4336,7 +4336,7 @@
                   </a:schemeClr>
                 </a:solidFill>
               </a:rPr>
-              <a:t>当一个数据磁盘出错时的情况，解码仍然分为四种情况</a:t>
+              <a:t>当一个数据磁盘出错时的情况，解码更改仍然分为四种情况</a:t>
             </a:r>
             <a:endParaRPr lang="zh-CN" altLang="en-US" sz="1400" dirty="0">
               <a:solidFill>
@@ -4384,7 +4384,7 @@
                   <a:schemeClr val="tx1"/>
                 </a:solidFill>
               </a:rPr>
-              <a:t>j() ()</a:t>
+              <a:t>j (0 j  m-1)</a:t>
             </a:r>
             <a:r>
               <a:rPr lang="zh-CN" altLang="en-US" b="1" dirty="0">
@@ -4392,23 +4392,7 @@
                   <a:schemeClr val="tx1"/>
                 </a:solidFill>
               </a:rPr>
-              <a:t>（</a:t>
-            </a:r>
-            <a:r>
-              <a:rPr lang="en-US" altLang="zh-CN" b="1" dirty="0">
-                <a:solidFill>
-                  <a:schemeClr val="tx1"/>
-                </a:solidFill>
-              </a:rPr>
-              <a:t>0&lt;  &lt;&gt; j&lt;&lt;&lt;&lt; &lt;  m-1</a:t>
-            </a:r>
-            <a:r>
-              <a:rPr lang="zh-CN" altLang="en-US" b="1" dirty="0">
-                <a:solidFill>
-                  <a:schemeClr val="tx1"/>
-                </a:solidFill>
-              </a:rPr>
-              <a:t>）出现错误：</a:t>
+              <a:t>出现错误：</a:t>
             </a:r>
             <a:endParaRPr lang="zh-CN" altLang="en-US" b="1" dirty="0">
               <a:solidFill>
@@ -4560,7 +4544,7 @@
                   <a:schemeClr val="tx1"/>
                 </a:solidFill>
               </a:rPr>
-              <a:t>是右移的次数）经计算，                                       </a:t>
+              <a:t>是右移的次数）经计算                      </a:t>
             </a:r>
             <a:r>
               <a:rPr lang="en-US" altLang="zh-CN" b="1" dirty="0">
@@ -4568,39 +4552,7 @@
                   <a:schemeClr val="tx1"/>
                 </a:solidFill>
               </a:rPr>
-              <a:t>{}{}{}(</a:t>
-            </a:r>
-            <a:r>
-              <a:rPr lang="zh-CN" altLang="en-US" b="1" dirty="0">
-                <a:solidFill>
-                  <a:schemeClr val="tx1"/>
-                </a:solidFill>
-              </a:rPr>
-              <a:t>，</a:t>
-            </a:r>
-            <a:r>
-              <a:rPr lang="en-US" altLang="zh-CN" b="1" dirty="0">
-                <a:solidFill>
-                  <a:schemeClr val="tx1"/>
-                </a:solidFill>
-              </a:rPr>
-              <a:t>{}{}{}{}{</a:t>
-            </a:r>
-            <a:r>
-              <a:rPr lang="zh-CN" altLang="en-US" b="1" dirty="0">
-                <a:solidFill>
-                  <a:schemeClr val="tx1"/>
-                </a:solidFill>
-              </a:rPr>
-              <a:t> </a:t>
-            </a:r>
-            <a:r>
-              <a:rPr lang="en-US" altLang="zh-CN" b="1" dirty="0">
-                <a:solidFill>
-                  <a:schemeClr val="tx1"/>
-                </a:solidFill>
-              </a:rPr>
-              <a:t>{}{} j=2</a:t>
+              <a:t> j=2</a:t>
             </a:r>
             <a:r>
               <a:rPr lang="zh-CN" altLang="en-US" b="1" dirty="0">
@@ -4688,23 +4640,7 @@
                   <a:schemeClr val="tx1"/>
                 </a:solidFill>
               </a:rPr>
-              <a:t>的数据逐一相加即可恢复，即                          与 </a:t>
-            </a:r>
-            <a:r>
-              <a:rPr lang="en-US" altLang="zh-CN" b="1" dirty="0">
-                <a:solidFill>
-                  <a:schemeClr val="tx1"/>
-                </a:solidFill>
-              </a:rPr>
-              <a:t>{}                  </a:t>
-            </a:r>
-            <a:r>
-              <a:rPr lang="zh-CN" altLang="en-US" b="1" dirty="0">
-                <a:solidFill>
-                  <a:schemeClr val="tx1"/>
-                </a:solidFill>
-              </a:rPr>
-              <a:t>相加即可</a:t>
+              <a:t>的数据逐一相加即可恢复，即   </a:t>
             </a:r>
             <a:endParaRPr lang="zh-CN" altLang="en-US" b="1" dirty="0">
               <a:solidFill>
@@ -4992,7 +4928,7 @@
         </p:blipFill>
         <p:spPr>
           <a:xfrm>
-            <a:off x="1777365" y="5394960"/>
+            <a:off x="2573655" y="5351780"/>
             <a:ext cx="1504950" cy="342900"/>
           </a:xfrm>
           <a:prstGeom prst="rect">
@@ -5016,7 +4952,7 @@
         </p:blipFill>
         <p:spPr>
           <a:xfrm>
-            <a:off x="3740785" y="5351780"/>
+            <a:off x="4194175" y="5266055"/>
             <a:ext cx="1000125" cy="428625"/>
           </a:xfrm>
           <a:prstGeom prst="rect">

--- a/算法.pptx
+++ b/算法.pptx
@@ -15054,7 +15054,7 @@
         </p:nvSpPr>
         <p:spPr>
           <a:xfrm>
-            <a:off x="1226820" y="1673225"/>
+            <a:off x="1226820" y="1694815"/>
             <a:ext cx="7736205" cy="640080"/>
           </a:xfrm>
           <a:prstGeom prst="rect">
@@ -15568,113 +15568,8 @@
         </p:nvCxnSpPr>
         <p:spPr>
           <a:xfrm flipV="1">
-            <a:off x="11443970" y="3486785"/>
-            <a:ext cx="228600" cy="335280"/>
-          </a:xfrm>
-          <a:prstGeom prst="line">
-            <a:avLst/>
-          </a:prstGeom>
-          <a:ln>
-            <a:solidFill>
-              <a:srgbClr val="FF0000"/>
-            </a:solidFill>
-          </a:ln>
-        </p:spPr>
-        <p:style>
-          <a:lnRef idx="1">
-            <a:schemeClr val="accent1"/>
-          </a:lnRef>
-          <a:fillRef idx="0">
-            <a:schemeClr val="accent1"/>
-          </a:fillRef>
-          <a:effectRef idx="0">
-            <a:schemeClr val="accent1"/>
-          </a:effectRef>
-          <a:fontRef idx="minor">
-            <a:schemeClr val="tx1"/>
-          </a:fontRef>
-        </p:style>
-      </p:cxnSp>
-      <p:cxnSp>
-        <p:nvCxnSpPr>
-          <p:cNvPr id="12" name="直接连接符 11"/>
-          <p:cNvCxnSpPr/>
-          <p:nvPr/>
-        </p:nvCxnSpPr>
-        <p:spPr>
-          <a:xfrm flipV="1">
-            <a:off x="8655050" y="5437505"/>
-            <a:ext cx="426720" cy="228600"/>
-          </a:xfrm>
-          <a:prstGeom prst="line">
-            <a:avLst/>
-          </a:prstGeom>
-          <a:ln>
-            <a:solidFill>
-              <a:srgbClr val="FF0000"/>
-            </a:solidFill>
-          </a:ln>
-        </p:spPr>
-        <p:style>
-          <a:lnRef idx="1">
-            <a:schemeClr val="accent1"/>
-          </a:lnRef>
-          <a:fillRef idx="0">
-            <a:schemeClr val="accent1"/>
-          </a:fillRef>
-          <a:effectRef idx="0">
-            <a:schemeClr val="accent1"/>
-          </a:effectRef>
-          <a:fontRef idx="minor">
-            <a:schemeClr val="tx1"/>
-          </a:fontRef>
-        </p:style>
-      </p:cxnSp>
-      <p:cxnSp>
-        <p:nvCxnSpPr>
-          <p:cNvPr id="13" name="直接连接符 12"/>
-          <p:cNvCxnSpPr/>
-          <p:nvPr/>
-        </p:nvCxnSpPr>
-        <p:spPr>
-          <a:xfrm flipV="1">
-            <a:off x="9749155" y="4555490"/>
-            <a:ext cx="426720" cy="228600"/>
-          </a:xfrm>
-          <a:prstGeom prst="line">
-            <a:avLst/>
-          </a:prstGeom>
-          <a:ln>
-            <a:solidFill>
-              <a:srgbClr val="FF0000"/>
-            </a:solidFill>
-          </a:ln>
-        </p:spPr>
-        <p:style>
-          <a:lnRef idx="1">
-            <a:schemeClr val="accent1"/>
-          </a:lnRef>
-          <a:fillRef idx="0">
-            <a:schemeClr val="accent1"/>
-          </a:fillRef>
-          <a:effectRef idx="0">
-            <a:schemeClr val="accent1"/>
-          </a:effectRef>
-          <a:fontRef idx="minor">
-            <a:schemeClr val="tx1"/>
-          </a:fontRef>
-        </p:style>
-      </p:cxnSp>
-      <p:cxnSp>
-        <p:nvCxnSpPr>
-          <p:cNvPr id="14" name="直接连接符 13"/>
-          <p:cNvCxnSpPr/>
-          <p:nvPr/>
-        </p:nvCxnSpPr>
-        <p:spPr>
-          <a:xfrm flipV="1">
-            <a:off x="10260330" y="4089400"/>
-            <a:ext cx="426720" cy="228600"/>
+            <a:off x="11396345" y="3486785"/>
+            <a:ext cx="276225" cy="254000"/>
           </a:xfrm>
           <a:prstGeom prst="line">
             <a:avLst/>
@@ -15757,7 +15652,7 @@
         </p:nvCxnSpPr>
         <p:spPr>
           <a:xfrm flipV="1">
-            <a:off x="11348085" y="4020185"/>
+            <a:off x="11359515" y="4031615"/>
             <a:ext cx="289560" cy="259080"/>
           </a:xfrm>
           <a:prstGeom prst="line">
@@ -15786,14 +15681,14 @@
       </p:cxnSp>
       <p:cxnSp>
         <p:nvCxnSpPr>
-          <p:cNvPr id="26" name="直接连接符 25"/>
+          <p:cNvPr id="8" name="直接连接符 7"/>
           <p:cNvCxnSpPr/>
           <p:nvPr/>
         </p:nvCxnSpPr>
         <p:spPr>
           <a:xfrm flipV="1">
-            <a:off x="8723630" y="4579620"/>
-            <a:ext cx="289560" cy="259080"/>
+            <a:off x="8665210" y="4004310"/>
+            <a:ext cx="2080895" cy="1708785"/>
           </a:xfrm>
           <a:prstGeom prst="line">
             <a:avLst/>
@@ -15821,14 +15716,14 @@
       </p:cxnSp>
       <p:cxnSp>
         <p:nvCxnSpPr>
-          <p:cNvPr id="27" name="直接连接符 26"/>
+          <p:cNvPr id="10" name="直接连接符 9"/>
           <p:cNvCxnSpPr/>
           <p:nvPr/>
         </p:nvCxnSpPr>
         <p:spPr>
           <a:xfrm flipV="1">
-            <a:off x="9817735" y="5000625"/>
-            <a:ext cx="289560" cy="259080"/>
+            <a:off x="8665210" y="3404235"/>
+            <a:ext cx="492760" cy="505460"/>
           </a:xfrm>
           <a:prstGeom prst="line">
             <a:avLst/>
@@ -15856,14 +15751,294 @@
       </p:cxnSp>
       <p:cxnSp>
         <p:nvCxnSpPr>
-          <p:cNvPr id="28" name="直接连接符 27"/>
+          <p:cNvPr id="15" name="直接连接符 14"/>
           <p:cNvCxnSpPr/>
           <p:nvPr/>
         </p:nvCxnSpPr>
         <p:spPr>
           <a:xfrm flipV="1">
-            <a:off x="10328910" y="4540250"/>
+            <a:off x="9857105" y="4500245"/>
+            <a:ext cx="829945" cy="758190"/>
+          </a:xfrm>
+          <a:prstGeom prst="line">
+            <a:avLst/>
+          </a:prstGeom>
+          <a:ln>
+            <a:solidFill>
+              <a:srgbClr val="FF0000"/>
+            </a:solidFill>
+          </a:ln>
+        </p:spPr>
+        <p:style>
+          <a:lnRef idx="1">
+            <a:schemeClr val="accent1"/>
+          </a:lnRef>
+          <a:fillRef idx="0">
+            <a:schemeClr val="accent1"/>
+          </a:fillRef>
+          <a:effectRef idx="0">
+            <a:schemeClr val="accent1"/>
+          </a:effectRef>
+          <a:fontRef idx="minor">
+            <a:schemeClr val="tx1"/>
+          </a:fontRef>
+        </p:style>
+      </p:cxnSp>
+      <p:cxnSp>
+        <p:nvCxnSpPr>
+          <p:cNvPr id="19" name="直接连接符 18"/>
+          <p:cNvCxnSpPr/>
+          <p:nvPr/>
+        </p:nvCxnSpPr>
+        <p:spPr>
+          <a:xfrm flipV="1">
+            <a:off x="8712835" y="3933190"/>
+            <a:ext cx="409575" cy="397510"/>
+          </a:xfrm>
+          <a:prstGeom prst="line">
+            <a:avLst/>
+          </a:prstGeom>
+          <a:ln>
+            <a:solidFill>
+              <a:srgbClr val="FF0000"/>
+            </a:solidFill>
+          </a:ln>
+        </p:spPr>
+        <p:style>
+          <a:lnRef idx="1">
+            <a:schemeClr val="accent1"/>
+          </a:lnRef>
+          <a:fillRef idx="0">
+            <a:schemeClr val="accent1"/>
+          </a:fillRef>
+          <a:effectRef idx="0">
+            <a:schemeClr val="accent1"/>
+          </a:effectRef>
+          <a:fontRef idx="minor">
+            <a:schemeClr val="tx1"/>
+          </a:fontRef>
+        </p:style>
+      </p:cxnSp>
+      <p:cxnSp>
+        <p:nvCxnSpPr>
+          <p:cNvPr id="20" name="直接连接符 19"/>
+          <p:cNvCxnSpPr/>
+          <p:nvPr/>
+        </p:nvCxnSpPr>
+        <p:spPr>
+          <a:xfrm flipV="1">
+            <a:off x="9711690" y="4944110"/>
+            <a:ext cx="962660" cy="746125"/>
+          </a:xfrm>
+          <a:prstGeom prst="line">
+            <a:avLst/>
+          </a:prstGeom>
+          <a:ln>
+            <a:solidFill>
+              <a:srgbClr val="FF0000"/>
+            </a:solidFill>
+          </a:ln>
+        </p:spPr>
+        <p:style>
+          <a:lnRef idx="1">
+            <a:schemeClr val="accent1"/>
+          </a:lnRef>
+          <a:fillRef idx="0">
+            <a:schemeClr val="accent1"/>
+          </a:fillRef>
+          <a:effectRef idx="0">
+            <a:schemeClr val="accent1"/>
+          </a:effectRef>
+          <a:fontRef idx="minor">
+            <a:schemeClr val="tx1"/>
+          </a:fontRef>
+        </p:style>
+      </p:cxnSp>
+      <p:cxnSp>
+        <p:nvCxnSpPr>
+          <p:cNvPr id="24" name="直接连接符 23"/>
+          <p:cNvCxnSpPr/>
+          <p:nvPr/>
+        </p:nvCxnSpPr>
+        <p:spPr>
+          <a:xfrm flipV="1">
+            <a:off x="11370945" y="4545965"/>
             <a:ext cx="289560" cy="259080"/>
+          </a:xfrm>
+          <a:prstGeom prst="line">
+            <a:avLst/>
+          </a:prstGeom>
+          <a:ln>
+            <a:solidFill>
+              <a:srgbClr val="FF0000"/>
+            </a:solidFill>
+          </a:ln>
+        </p:spPr>
+        <p:style>
+          <a:lnRef idx="1">
+            <a:schemeClr val="accent1"/>
+          </a:lnRef>
+          <a:fillRef idx="0">
+            <a:schemeClr val="accent1"/>
+          </a:fillRef>
+          <a:effectRef idx="0">
+            <a:schemeClr val="accent1"/>
+          </a:effectRef>
+          <a:fontRef idx="minor">
+            <a:schemeClr val="tx1"/>
+          </a:fontRef>
+        </p:style>
+      </p:cxnSp>
+      <p:cxnSp>
+        <p:nvCxnSpPr>
+          <p:cNvPr id="25" name="直接连接符 24"/>
+          <p:cNvCxnSpPr/>
+          <p:nvPr/>
+        </p:nvCxnSpPr>
+        <p:spPr>
+          <a:xfrm flipV="1">
+            <a:off x="8687435" y="3517265"/>
+            <a:ext cx="1493520" cy="1295400"/>
+          </a:xfrm>
+          <a:prstGeom prst="line">
+            <a:avLst/>
+          </a:prstGeom>
+          <a:ln>
+            <a:solidFill>
+              <a:srgbClr val="FF0000"/>
+            </a:solidFill>
+          </a:ln>
+        </p:spPr>
+        <p:style>
+          <a:lnRef idx="1">
+            <a:schemeClr val="accent1"/>
+          </a:lnRef>
+          <a:fillRef idx="0">
+            <a:schemeClr val="accent1"/>
+          </a:fillRef>
+          <a:effectRef idx="0">
+            <a:schemeClr val="accent1"/>
+          </a:effectRef>
+          <a:fontRef idx="minor">
+            <a:schemeClr val="tx1"/>
+          </a:fontRef>
+        </p:style>
+      </p:cxnSp>
+      <p:cxnSp>
+        <p:nvCxnSpPr>
+          <p:cNvPr id="29" name="直接连接符 28"/>
+          <p:cNvCxnSpPr/>
+          <p:nvPr/>
+        </p:nvCxnSpPr>
+        <p:spPr>
+          <a:xfrm flipV="1">
+            <a:off x="11294745" y="4944110"/>
+            <a:ext cx="441960" cy="381000"/>
+          </a:xfrm>
+          <a:prstGeom prst="line">
+            <a:avLst/>
+          </a:prstGeom>
+          <a:ln>
+            <a:solidFill>
+              <a:srgbClr val="FF0000"/>
+            </a:solidFill>
+          </a:ln>
+        </p:spPr>
+        <p:style>
+          <a:lnRef idx="1">
+            <a:schemeClr val="accent1"/>
+          </a:lnRef>
+          <a:fillRef idx="0">
+            <a:schemeClr val="accent1"/>
+          </a:fillRef>
+          <a:effectRef idx="0">
+            <a:schemeClr val="accent1"/>
+          </a:effectRef>
+          <a:fontRef idx="minor">
+            <a:schemeClr val="tx1"/>
+          </a:fontRef>
+        </p:style>
+      </p:cxnSp>
+      <p:cxnSp>
+        <p:nvCxnSpPr>
+          <p:cNvPr id="30" name="直接连接符 29"/>
+          <p:cNvCxnSpPr/>
+          <p:nvPr/>
+        </p:nvCxnSpPr>
+        <p:spPr>
+          <a:xfrm flipV="1">
+            <a:off x="10379075" y="5452745"/>
+            <a:ext cx="274320" cy="198120"/>
+          </a:xfrm>
+          <a:prstGeom prst="line">
+            <a:avLst/>
+          </a:prstGeom>
+          <a:ln>
+            <a:solidFill>
+              <a:srgbClr val="FF0000"/>
+            </a:solidFill>
+          </a:ln>
+        </p:spPr>
+        <p:style>
+          <a:lnRef idx="1">
+            <a:schemeClr val="accent1"/>
+          </a:lnRef>
+          <a:fillRef idx="0">
+            <a:schemeClr val="accent1"/>
+          </a:fillRef>
+          <a:effectRef idx="0">
+            <a:schemeClr val="accent1"/>
+          </a:effectRef>
+          <a:fontRef idx="minor">
+            <a:schemeClr val="tx1"/>
+          </a:fontRef>
+        </p:style>
+      </p:cxnSp>
+      <p:cxnSp>
+        <p:nvCxnSpPr>
+          <p:cNvPr id="36" name="直接连接符 35"/>
+          <p:cNvCxnSpPr/>
+          <p:nvPr/>
+        </p:nvCxnSpPr>
+        <p:spPr>
+          <a:xfrm flipV="1">
+            <a:off x="8733155" y="3562985"/>
+            <a:ext cx="1935480" cy="1752600"/>
+          </a:xfrm>
+          <a:prstGeom prst="line">
+            <a:avLst/>
+          </a:prstGeom>
+          <a:ln>
+            <a:solidFill>
+              <a:srgbClr val="FF0000"/>
+            </a:solidFill>
+          </a:ln>
+        </p:spPr>
+        <p:style>
+          <a:lnRef idx="1">
+            <a:schemeClr val="accent1"/>
+          </a:lnRef>
+          <a:fillRef idx="0">
+            <a:schemeClr val="accent1"/>
+          </a:fillRef>
+          <a:effectRef idx="0">
+            <a:schemeClr val="accent1"/>
+          </a:effectRef>
+          <a:fontRef idx="minor">
+            <a:schemeClr val="tx1"/>
+          </a:fontRef>
+        </p:style>
+      </p:cxnSp>
+      <p:cxnSp>
+        <p:nvCxnSpPr>
+          <p:cNvPr id="37" name="直接连接符 36"/>
+          <p:cNvCxnSpPr/>
+          <p:nvPr/>
+        </p:nvCxnSpPr>
+        <p:spPr>
+          <a:xfrm flipV="1">
+            <a:off x="11360785" y="5314950"/>
+            <a:ext cx="441960" cy="381000"/>
           </a:xfrm>
           <a:prstGeom prst="line">
             <a:avLst/>
@@ -16034,7 +16209,7 @@
                                 </p:cTn>
                               </p:par>
                               <p:par>
-                                <p:cTn id="11" presetID="15" presetClass="entr" presetSubtype="0" fill="hold" nodeType="withEffect">
+                                <p:cTn id="11" presetID="1" presetClass="entr" presetSubtype="0" fill="hold" nodeType="withEffect">
                                   <p:stCondLst>
                                     <p:cond delay="0"/>
                                   </p:stCondLst>
@@ -16047,7 +16222,7 @@
                                           </p:stCondLst>
                                         </p:cTn>
                                         <p:tgtEl>
-                                          <p:spTgt spid="14"/>
+                                          <p:spTgt spid="8"/>
                                         </p:tgtEl>
                                         <p:attrNameLst>
                                           <p:attrName>style.visibility</p:attrName>
@@ -16057,116 +16232,69 @@
                                         <p:strVal val="visible"/>
                                       </p:to>
                                     </p:set>
-                                    <p:anim calcmode="lin" valueType="num">
-                                      <p:cBhvr>
-                                        <p:cTn id="13" dur="1000" fill="hold"/>
-                                        <p:tgtEl>
-                                          <p:spTgt spid="14"/>
-                                        </p:tgtEl>
-                                        <p:attrNameLst>
-                                          <p:attrName>ppt_w</p:attrName>
-                                        </p:attrNameLst>
-                                      </p:cBhvr>
-                                      <p:tavLst>
-                                        <p:tav tm="0">
-                                          <p:val>
-                                            <p:fltVal val="0"/>
-                                          </p:val>
-                                        </p:tav>
-                                        <p:tav tm="100000">
-                                          <p:val>
-                                            <p:strVal val="#ppt_w"/>
-                                          </p:val>
-                                        </p:tav>
-                                      </p:tavLst>
-                                    </p:anim>
-                                    <p:anim calcmode="lin" valueType="num">
-                                      <p:cBhvr>
-                                        <p:cTn id="14" dur="1000" fill="hold"/>
-                                        <p:tgtEl>
-                                          <p:spTgt spid="14"/>
-                                        </p:tgtEl>
-                                        <p:attrNameLst>
-                                          <p:attrName>ppt_h</p:attrName>
-                                        </p:attrNameLst>
-                                      </p:cBhvr>
-                                      <p:tavLst>
-                                        <p:tav tm="0">
-                                          <p:val>
-                                            <p:fltVal val="0"/>
-                                          </p:val>
-                                        </p:tav>
-                                        <p:tav tm="100000">
-                                          <p:val>
-                                            <p:strVal val="#ppt_h"/>
-                                          </p:val>
-                                        </p:tav>
-                                      </p:tavLst>
-                                    </p:anim>
-                                    <p:anim calcmode="lin" valueType="num">
-                                      <p:cBhvr>
-                                        <p:cTn id="15" dur="1000" fill="hold"/>
-                                        <p:tgtEl>
-                                          <p:spTgt spid="14"/>
-                                        </p:tgtEl>
-                                        <p:attrNameLst>
-                                          <p:attrName>ppt_x</p:attrName>
-                                        </p:attrNameLst>
-                                      </p:cBhvr>
-                                      <p:tavLst>
-                                        <p:tav tm="0" fmla="#ppt_x+(cos(-2*pi*(1-$))*-#ppt_x-sin(-2*pi*(1-$))*(1-#ppt_y))*(1-$)">
-                                          <p:val>
-                                            <p:fltVal val="0"/>
-                                          </p:val>
-                                        </p:tav>
-                                        <p:tav tm="100000">
-                                          <p:val>
-                                            <p:fltVal val="1"/>
-                                          </p:val>
-                                        </p:tav>
-                                      </p:tavLst>
-                                    </p:anim>
-                                    <p:anim calcmode="lin" valueType="num">
-                                      <p:cBhvr>
-                                        <p:cTn id="16" dur="1000" fill="hold"/>
-                                        <p:tgtEl>
-                                          <p:spTgt spid="14"/>
-                                        </p:tgtEl>
-                                        <p:attrNameLst>
-                                          <p:attrName>ppt_y</p:attrName>
-                                        </p:attrNameLst>
-                                      </p:cBhvr>
-                                      <p:tavLst>
-                                        <p:tav tm="0" fmla="#ppt_y+(sin(-2*pi*(1-$))*-#ppt_x+cos(-2*pi*(1-$))*(1-#ppt_y))*(1-$)">
-                                          <p:val>
-                                            <p:fltVal val="0"/>
-                                          </p:val>
-                                        </p:tav>
-                                        <p:tav tm="100000">
-                                          <p:val>
-                                            <p:fltVal val="1"/>
-                                          </p:val>
-                                        </p:tav>
-                                      </p:tavLst>
-                                    </p:anim>
                                   </p:childTnLst>
                                 </p:cTn>
                               </p:par>
+                            </p:childTnLst>
+                          </p:cTn>
+                        </p:par>
+                      </p:childTnLst>
+                    </p:cTn>
+                  </p:par>
+                  <p:par>
+                    <p:cTn id="13" fill="hold">
+                      <p:stCondLst>
+                        <p:cond delay="indefinite"/>
+                      </p:stCondLst>
+                      <p:childTnLst>
+                        <p:par>
+                          <p:cTn id="14" fill="hold">
+                            <p:stCondLst>
+                              <p:cond delay="0"/>
+                            </p:stCondLst>
+                            <p:childTnLst>
                               <p:par>
-                                <p:cTn id="17" presetID="15" presetClass="entr" presetSubtype="0" fill="hold" nodeType="withEffect">
+                                <p:cTn id="15" presetID="1" presetClass="entr" presetSubtype="0" fill="hold" nodeType="clickEffect">
                                   <p:stCondLst>
                                     <p:cond delay="0"/>
                                   </p:stCondLst>
                                   <p:childTnLst>
                                     <p:set>
                                       <p:cBhvr>
+                                        <p:cTn id="16" dur="1" fill="hold">
+                                          <p:stCondLst>
+                                            <p:cond delay="0"/>
+                                          </p:stCondLst>
+                                        </p:cTn>
+                                        <p:tgtEl>
+                                          <p:spTgt spid="10"/>
+                                        </p:tgtEl>
+                                        <p:attrNameLst>
+                                          <p:attrName>style.visibility</p:attrName>
+                                        </p:attrNameLst>
+                                      </p:cBhvr>
+                                      <p:to>
+                                        <p:strVal val="visible"/>
+                                      </p:to>
+                                    </p:set>
+                                  </p:childTnLst>
+                                </p:cTn>
+                              </p:par>
+                              <p:par>
+                                <p:cTn id="17" presetID="1" presetClass="entr" presetSubtype="0" fill="hold" nodeType="withEffect">
+                                  <p:stCondLst>
+                                    <p:cond delay="0"/>
+                                  </p:stCondLst>
+                                  <p:childTnLst>
+                                    <p:set>
+                                      <p:cBhvr>
                                         <p:cTn id="18" dur="1" fill="hold">
                                           <p:stCondLst>
                                             <p:cond delay="0"/>
                                           </p:stCondLst>
                                         </p:cTn>
                                         <p:tgtEl>
-                                          <p:spTgt spid="13"/>
+                                          <p:spTgt spid="23"/>
                                         </p:tgtEl>
                                         <p:attrNameLst>
                                           <p:attrName>style.visibility</p:attrName>
@@ -16176,116 +16304,69 @@
                                         <p:strVal val="visible"/>
                                       </p:to>
                                     </p:set>
-                                    <p:anim calcmode="lin" valueType="num">
-                                      <p:cBhvr>
-                                        <p:cTn id="19" dur="1000" fill="hold"/>
-                                        <p:tgtEl>
-                                          <p:spTgt spid="13"/>
-                                        </p:tgtEl>
-                                        <p:attrNameLst>
-                                          <p:attrName>ppt_w</p:attrName>
-                                        </p:attrNameLst>
-                                      </p:cBhvr>
-                                      <p:tavLst>
-                                        <p:tav tm="0">
-                                          <p:val>
-                                            <p:fltVal val="0"/>
-                                          </p:val>
-                                        </p:tav>
-                                        <p:tav tm="100000">
-                                          <p:val>
-                                            <p:strVal val="#ppt_w"/>
-                                          </p:val>
-                                        </p:tav>
-                                      </p:tavLst>
-                                    </p:anim>
-                                    <p:anim calcmode="lin" valueType="num">
-                                      <p:cBhvr>
-                                        <p:cTn id="20" dur="1000" fill="hold"/>
-                                        <p:tgtEl>
-                                          <p:spTgt spid="13"/>
-                                        </p:tgtEl>
-                                        <p:attrNameLst>
-                                          <p:attrName>ppt_h</p:attrName>
-                                        </p:attrNameLst>
-                                      </p:cBhvr>
-                                      <p:tavLst>
-                                        <p:tav tm="0">
-                                          <p:val>
-                                            <p:fltVal val="0"/>
-                                          </p:val>
-                                        </p:tav>
-                                        <p:tav tm="100000">
-                                          <p:val>
-                                            <p:strVal val="#ppt_h"/>
-                                          </p:val>
-                                        </p:tav>
-                                      </p:tavLst>
-                                    </p:anim>
-                                    <p:anim calcmode="lin" valueType="num">
-                                      <p:cBhvr>
-                                        <p:cTn id="21" dur="1000" fill="hold"/>
-                                        <p:tgtEl>
-                                          <p:spTgt spid="13"/>
-                                        </p:tgtEl>
-                                        <p:attrNameLst>
-                                          <p:attrName>ppt_x</p:attrName>
-                                        </p:attrNameLst>
-                                      </p:cBhvr>
-                                      <p:tavLst>
-                                        <p:tav tm="0" fmla="#ppt_x+(cos(-2*pi*(1-$))*-#ppt_x-sin(-2*pi*(1-$))*(1-#ppt_y))*(1-$)">
-                                          <p:val>
-                                            <p:fltVal val="0"/>
-                                          </p:val>
-                                        </p:tav>
-                                        <p:tav tm="100000">
-                                          <p:val>
-                                            <p:fltVal val="1"/>
-                                          </p:val>
-                                        </p:tav>
-                                      </p:tavLst>
-                                    </p:anim>
-                                    <p:anim calcmode="lin" valueType="num">
-                                      <p:cBhvr>
-                                        <p:cTn id="22" dur="1000" fill="hold"/>
-                                        <p:tgtEl>
-                                          <p:spTgt spid="13"/>
-                                        </p:tgtEl>
-                                        <p:attrNameLst>
-                                          <p:attrName>ppt_y</p:attrName>
-                                        </p:attrNameLst>
-                                      </p:cBhvr>
-                                      <p:tavLst>
-                                        <p:tav tm="0" fmla="#ppt_y+(sin(-2*pi*(1-$))*-#ppt_x+cos(-2*pi*(1-$))*(1-#ppt_y))*(1-$)">
-                                          <p:val>
-                                            <p:fltVal val="0"/>
-                                          </p:val>
-                                        </p:tav>
-                                        <p:tav tm="100000">
-                                          <p:val>
-                                            <p:fltVal val="1"/>
-                                          </p:val>
-                                        </p:tav>
-                                      </p:tavLst>
-                                    </p:anim>
                                   </p:childTnLst>
                                 </p:cTn>
                               </p:par>
                               <p:par>
-                                <p:cTn id="23" presetID="15" presetClass="entr" presetSubtype="0" fill="hold" nodeType="withEffect">
+                                <p:cTn id="19" presetID="1" presetClass="entr" presetSubtype="0" fill="hold" nodeType="withEffect">
                                   <p:stCondLst>
                                     <p:cond delay="0"/>
                                   </p:stCondLst>
                                   <p:childTnLst>
                                     <p:set>
                                       <p:cBhvr>
+                                        <p:cTn id="20" dur="1" fill="hold">
+                                          <p:stCondLst>
+                                            <p:cond delay="0"/>
+                                          </p:stCondLst>
+                                        </p:cTn>
+                                        <p:tgtEl>
+                                          <p:spTgt spid="15"/>
+                                        </p:tgtEl>
+                                        <p:attrNameLst>
+                                          <p:attrName>style.visibility</p:attrName>
+                                        </p:attrNameLst>
+                                      </p:cBhvr>
+                                      <p:to>
+                                        <p:strVal val="visible"/>
+                                      </p:to>
+                                    </p:set>
+                                  </p:childTnLst>
+                                </p:cTn>
+                              </p:par>
+                            </p:childTnLst>
+                          </p:cTn>
+                        </p:par>
+                      </p:childTnLst>
+                    </p:cTn>
+                  </p:par>
+                  <p:par>
+                    <p:cTn id="21" fill="hold">
+                      <p:stCondLst>
+                        <p:cond delay="indefinite"/>
+                      </p:stCondLst>
+                      <p:childTnLst>
+                        <p:par>
+                          <p:cTn id="22" fill="hold">
+                            <p:stCondLst>
+                              <p:cond delay="0"/>
+                            </p:stCondLst>
+                            <p:childTnLst>
+                              <p:par>
+                                <p:cTn id="23" presetID="1" presetClass="entr" presetSubtype="0" fill="hold" nodeType="clickEffect">
+                                  <p:stCondLst>
+                                    <p:cond delay="0"/>
+                                  </p:stCondLst>
+                                  <p:childTnLst>
+                                    <p:set>
+                                      <p:cBhvr>
                                         <p:cTn id="24" dur="1" fill="hold">
                                           <p:stCondLst>
                                             <p:cond delay="0"/>
                                           </p:stCondLst>
                                         </p:cTn>
                                         <p:tgtEl>
-                                          <p:spTgt spid="12"/>
+                                          <p:spTgt spid="24"/>
                                         </p:tgtEl>
                                         <p:attrNameLst>
                                           <p:attrName>style.visibility</p:attrName>
@@ -16295,98 +16376,60 @@
                                         <p:strVal val="visible"/>
                                       </p:to>
                                     </p:set>
-                                    <p:anim calcmode="lin" valueType="num">
-                                      <p:cBhvr>
-                                        <p:cTn id="25" dur="1000" fill="hold"/>
-                                        <p:tgtEl>
-                                          <p:spTgt spid="12"/>
-                                        </p:tgtEl>
-                                        <p:attrNameLst>
-                                          <p:attrName>ppt_w</p:attrName>
-                                        </p:attrNameLst>
-                                      </p:cBhvr>
-                                      <p:tavLst>
-                                        <p:tav tm="0">
-                                          <p:val>
-                                            <p:fltVal val="0"/>
-                                          </p:val>
-                                        </p:tav>
-                                        <p:tav tm="100000">
-                                          <p:val>
-                                            <p:strVal val="#ppt_w"/>
-                                          </p:val>
-                                        </p:tav>
-                                      </p:tavLst>
-                                    </p:anim>
-                                    <p:anim calcmode="lin" valueType="num">
-                                      <p:cBhvr>
-                                        <p:cTn id="26" dur="1000" fill="hold"/>
-                                        <p:tgtEl>
-                                          <p:spTgt spid="12"/>
-                                        </p:tgtEl>
-                                        <p:attrNameLst>
-                                          <p:attrName>ppt_h</p:attrName>
-                                        </p:attrNameLst>
-                                      </p:cBhvr>
-                                      <p:tavLst>
-                                        <p:tav tm="0">
-                                          <p:val>
-                                            <p:fltVal val="0"/>
-                                          </p:val>
-                                        </p:tav>
-                                        <p:tav tm="100000">
-                                          <p:val>
-                                            <p:strVal val="#ppt_h"/>
-                                          </p:val>
-                                        </p:tav>
-                                      </p:tavLst>
-                                    </p:anim>
-                                    <p:anim calcmode="lin" valueType="num">
-                                      <p:cBhvr>
-                                        <p:cTn id="27" dur="1000" fill="hold"/>
-                                        <p:tgtEl>
-                                          <p:spTgt spid="12"/>
-                                        </p:tgtEl>
-                                        <p:attrNameLst>
-                                          <p:attrName>ppt_x</p:attrName>
-                                        </p:attrNameLst>
-                                      </p:cBhvr>
-                                      <p:tavLst>
-                                        <p:tav tm="0" fmla="#ppt_x+(cos(-2*pi*(1-$))*-#ppt_x-sin(-2*pi*(1-$))*(1-#ppt_y))*(1-$)">
-                                          <p:val>
-                                            <p:fltVal val="0"/>
-                                          </p:val>
-                                        </p:tav>
-                                        <p:tav tm="100000">
-                                          <p:val>
-                                            <p:fltVal val="1"/>
-                                          </p:val>
-                                        </p:tav>
-                                      </p:tavLst>
-                                    </p:anim>
-                                    <p:anim calcmode="lin" valueType="num">
-                                      <p:cBhvr>
-                                        <p:cTn id="28" dur="1000" fill="hold"/>
-                                        <p:tgtEl>
-                                          <p:spTgt spid="12"/>
-                                        </p:tgtEl>
-                                        <p:attrNameLst>
-                                          <p:attrName>ppt_y</p:attrName>
-                                        </p:attrNameLst>
-                                      </p:cBhvr>
-                                      <p:tavLst>
-                                        <p:tav tm="0" fmla="#ppt_y+(sin(-2*pi*(1-$))*-#ppt_x+cos(-2*pi*(1-$))*(1-#ppt_y))*(1-$)">
-                                          <p:val>
-                                            <p:fltVal val="0"/>
-                                          </p:val>
-                                        </p:tav>
-                                        <p:tav tm="100000">
-                                          <p:val>
-                                            <p:fltVal val="1"/>
-                                          </p:val>
-                                        </p:tav>
-                                      </p:tavLst>
-                                    </p:anim>
+                                  </p:childTnLst>
+                                </p:cTn>
+                              </p:par>
+                              <p:par>
+                                <p:cTn id="25" presetID="1" presetClass="entr" presetSubtype="0" fill="hold" nodeType="withEffect">
+                                  <p:stCondLst>
+                                    <p:cond delay="0"/>
+                                  </p:stCondLst>
+                                  <p:childTnLst>
+                                    <p:set>
+                                      <p:cBhvr>
+                                        <p:cTn id="26" dur="1" fill="hold">
+                                          <p:stCondLst>
+                                            <p:cond delay="0"/>
+                                          </p:stCondLst>
+                                        </p:cTn>
+                                        <p:tgtEl>
+                                          <p:spTgt spid="19"/>
+                                        </p:tgtEl>
+                                        <p:attrNameLst>
+                                          <p:attrName>style.visibility</p:attrName>
+                                        </p:attrNameLst>
+                                      </p:cBhvr>
+                                      <p:to>
+                                        <p:strVal val="visible"/>
+                                      </p:to>
+                                    </p:set>
+                                  </p:childTnLst>
+                                </p:cTn>
+                              </p:par>
+                              <p:par>
+                                <p:cTn id="27" presetID="1" presetClass="entr" presetSubtype="0" fill="hold" nodeType="withEffect">
+                                  <p:stCondLst>
+                                    <p:cond delay="0"/>
+                                  </p:stCondLst>
+                                  <p:childTnLst>
+                                    <p:set>
+                                      <p:cBhvr>
+                                        <p:cTn id="28" dur="1" fill="hold">
+                                          <p:stCondLst>
+                                            <p:cond delay="0"/>
+                                          </p:stCondLst>
+                                        </p:cTn>
+                                        <p:tgtEl>
+                                          <p:spTgt spid="20"/>
+                                        </p:tgtEl>
+                                        <p:attrNameLst>
+                                          <p:attrName>style.visibility</p:attrName>
+                                        </p:attrNameLst>
+                                      </p:cBhvr>
+                                      <p:to>
+                                        <p:strVal val="visible"/>
+                                      </p:to>
+                                    </p:set>
                                   </p:childTnLst>
                                 </p:cTn>
                               </p:par>
@@ -16409,7 +16452,7 @@
                             </p:stCondLst>
                             <p:childTnLst>
                               <p:par>
-                                <p:cTn id="31" presetID="15" presetClass="entr" presetSubtype="0" fill="hold" nodeType="clickEffect">
+                                <p:cTn id="31" presetID="1" presetClass="entr" presetSubtype="0" fill="hold" nodeType="clickEffect">
                                   <p:stCondLst>
                                     <p:cond delay="0"/>
                                   </p:stCondLst>
@@ -16422,7 +16465,7 @@
                                           </p:stCondLst>
                                         </p:cTn>
                                         <p:tgtEl>
-                                          <p:spTgt spid="28"/>
+                                          <p:spTgt spid="25"/>
                                         </p:tgtEl>
                                         <p:attrNameLst>
                                           <p:attrName>style.visibility</p:attrName>
@@ -16432,116 +16475,24 @@
                                         <p:strVal val="visible"/>
                                       </p:to>
                                     </p:set>
-                                    <p:anim calcmode="lin" valueType="num">
-                                      <p:cBhvr>
-                                        <p:cTn id="33" dur="1000" fill="hold"/>
-                                        <p:tgtEl>
-                                          <p:spTgt spid="28"/>
-                                        </p:tgtEl>
-                                        <p:attrNameLst>
-                                          <p:attrName>ppt_w</p:attrName>
-                                        </p:attrNameLst>
-                                      </p:cBhvr>
-                                      <p:tavLst>
-                                        <p:tav tm="0">
-                                          <p:val>
-                                            <p:fltVal val="0"/>
-                                          </p:val>
-                                        </p:tav>
-                                        <p:tav tm="100000">
-                                          <p:val>
-                                            <p:strVal val="#ppt_w"/>
-                                          </p:val>
-                                        </p:tav>
-                                      </p:tavLst>
-                                    </p:anim>
-                                    <p:anim calcmode="lin" valueType="num">
-                                      <p:cBhvr>
-                                        <p:cTn id="34" dur="1000" fill="hold"/>
-                                        <p:tgtEl>
-                                          <p:spTgt spid="28"/>
-                                        </p:tgtEl>
-                                        <p:attrNameLst>
-                                          <p:attrName>ppt_h</p:attrName>
-                                        </p:attrNameLst>
-                                      </p:cBhvr>
-                                      <p:tavLst>
-                                        <p:tav tm="0">
-                                          <p:val>
-                                            <p:fltVal val="0"/>
-                                          </p:val>
-                                        </p:tav>
-                                        <p:tav tm="100000">
-                                          <p:val>
-                                            <p:strVal val="#ppt_h"/>
-                                          </p:val>
-                                        </p:tav>
-                                      </p:tavLst>
-                                    </p:anim>
-                                    <p:anim calcmode="lin" valueType="num">
-                                      <p:cBhvr>
-                                        <p:cTn id="35" dur="1000" fill="hold"/>
-                                        <p:tgtEl>
-                                          <p:spTgt spid="28"/>
-                                        </p:tgtEl>
-                                        <p:attrNameLst>
-                                          <p:attrName>ppt_x</p:attrName>
-                                        </p:attrNameLst>
-                                      </p:cBhvr>
-                                      <p:tavLst>
-                                        <p:tav tm="0" fmla="#ppt_x+(cos(-2*pi*(1-$))*-#ppt_x-sin(-2*pi*(1-$))*(1-#ppt_y))*(1-$)">
-                                          <p:val>
-                                            <p:fltVal val="0"/>
-                                          </p:val>
-                                        </p:tav>
-                                        <p:tav tm="100000">
-                                          <p:val>
-                                            <p:fltVal val="1"/>
-                                          </p:val>
-                                        </p:tav>
-                                      </p:tavLst>
-                                    </p:anim>
-                                    <p:anim calcmode="lin" valueType="num">
-                                      <p:cBhvr>
-                                        <p:cTn id="36" dur="1000" fill="hold"/>
-                                        <p:tgtEl>
-                                          <p:spTgt spid="28"/>
-                                        </p:tgtEl>
-                                        <p:attrNameLst>
-                                          <p:attrName>ppt_y</p:attrName>
-                                        </p:attrNameLst>
-                                      </p:cBhvr>
-                                      <p:tavLst>
-                                        <p:tav tm="0" fmla="#ppt_y+(sin(-2*pi*(1-$))*-#ppt_x+cos(-2*pi*(1-$))*(1-#ppt_y))*(1-$)">
-                                          <p:val>
-                                            <p:fltVal val="0"/>
-                                          </p:val>
-                                        </p:tav>
-                                        <p:tav tm="100000">
-                                          <p:val>
-                                            <p:fltVal val="1"/>
-                                          </p:val>
-                                        </p:tav>
-                                      </p:tavLst>
-                                    </p:anim>
                                   </p:childTnLst>
                                 </p:cTn>
                               </p:par>
                               <p:par>
-                                <p:cTn id="37" presetID="15" presetClass="entr" presetSubtype="0" fill="hold" nodeType="withEffect">
+                                <p:cTn id="33" presetID="1" presetClass="entr" presetSubtype="0" fill="hold" nodeType="withEffect">
                                   <p:stCondLst>
                                     <p:cond delay="0"/>
                                   </p:stCondLst>
                                   <p:childTnLst>
                                     <p:set>
                                       <p:cBhvr>
-                                        <p:cTn id="38" dur="1" fill="hold">
+                                        <p:cTn id="34" dur="1" fill="hold">
                                           <p:stCondLst>
                                             <p:cond delay="0"/>
                                           </p:stCondLst>
                                         </p:cTn>
                                         <p:tgtEl>
-                                          <p:spTgt spid="27"/>
+                                          <p:spTgt spid="29"/>
                                         </p:tgtEl>
                                         <p:attrNameLst>
                                           <p:attrName>style.visibility</p:attrName>
@@ -16551,116 +16502,24 @@
                                         <p:strVal val="visible"/>
                                       </p:to>
                                     </p:set>
-                                    <p:anim calcmode="lin" valueType="num">
-                                      <p:cBhvr>
-                                        <p:cTn id="39" dur="1000" fill="hold"/>
-                                        <p:tgtEl>
-                                          <p:spTgt spid="27"/>
-                                        </p:tgtEl>
-                                        <p:attrNameLst>
-                                          <p:attrName>ppt_w</p:attrName>
-                                        </p:attrNameLst>
-                                      </p:cBhvr>
-                                      <p:tavLst>
-                                        <p:tav tm="0">
-                                          <p:val>
-                                            <p:fltVal val="0"/>
-                                          </p:val>
-                                        </p:tav>
-                                        <p:tav tm="100000">
-                                          <p:val>
-                                            <p:strVal val="#ppt_w"/>
-                                          </p:val>
-                                        </p:tav>
-                                      </p:tavLst>
-                                    </p:anim>
-                                    <p:anim calcmode="lin" valueType="num">
-                                      <p:cBhvr>
-                                        <p:cTn id="40" dur="1000" fill="hold"/>
-                                        <p:tgtEl>
-                                          <p:spTgt spid="27"/>
-                                        </p:tgtEl>
-                                        <p:attrNameLst>
-                                          <p:attrName>ppt_h</p:attrName>
-                                        </p:attrNameLst>
-                                      </p:cBhvr>
-                                      <p:tavLst>
-                                        <p:tav tm="0">
-                                          <p:val>
-                                            <p:fltVal val="0"/>
-                                          </p:val>
-                                        </p:tav>
-                                        <p:tav tm="100000">
-                                          <p:val>
-                                            <p:strVal val="#ppt_h"/>
-                                          </p:val>
-                                        </p:tav>
-                                      </p:tavLst>
-                                    </p:anim>
-                                    <p:anim calcmode="lin" valueType="num">
-                                      <p:cBhvr>
-                                        <p:cTn id="41" dur="1000" fill="hold"/>
-                                        <p:tgtEl>
-                                          <p:spTgt spid="27"/>
-                                        </p:tgtEl>
-                                        <p:attrNameLst>
-                                          <p:attrName>ppt_x</p:attrName>
-                                        </p:attrNameLst>
-                                      </p:cBhvr>
-                                      <p:tavLst>
-                                        <p:tav tm="0" fmla="#ppt_x+(cos(-2*pi*(1-$))*-#ppt_x-sin(-2*pi*(1-$))*(1-#ppt_y))*(1-$)">
-                                          <p:val>
-                                            <p:fltVal val="0"/>
-                                          </p:val>
-                                        </p:tav>
-                                        <p:tav tm="100000">
-                                          <p:val>
-                                            <p:fltVal val="1"/>
-                                          </p:val>
-                                        </p:tav>
-                                      </p:tavLst>
-                                    </p:anim>
-                                    <p:anim calcmode="lin" valueType="num">
-                                      <p:cBhvr>
-                                        <p:cTn id="42" dur="1000" fill="hold"/>
-                                        <p:tgtEl>
-                                          <p:spTgt spid="27"/>
-                                        </p:tgtEl>
-                                        <p:attrNameLst>
-                                          <p:attrName>ppt_y</p:attrName>
-                                        </p:attrNameLst>
-                                      </p:cBhvr>
-                                      <p:tavLst>
-                                        <p:tav tm="0" fmla="#ppt_y+(sin(-2*pi*(1-$))*-#ppt_x+cos(-2*pi*(1-$))*(1-#ppt_y))*(1-$)">
-                                          <p:val>
-                                            <p:fltVal val="0"/>
-                                          </p:val>
-                                        </p:tav>
-                                        <p:tav tm="100000">
-                                          <p:val>
-                                            <p:fltVal val="1"/>
-                                          </p:val>
-                                        </p:tav>
-                                      </p:tavLst>
-                                    </p:anim>
                                   </p:childTnLst>
                                 </p:cTn>
                               </p:par>
                               <p:par>
-                                <p:cTn id="43" presetID="15" presetClass="entr" presetSubtype="0" fill="hold" nodeType="withEffect">
+                                <p:cTn id="35" presetID="1" presetClass="entr" presetSubtype="0" fill="hold" nodeType="withEffect">
                                   <p:stCondLst>
                                     <p:cond delay="0"/>
                                   </p:stCondLst>
                                   <p:childTnLst>
                                     <p:set>
                                       <p:cBhvr>
-                                        <p:cTn id="44" dur="1" fill="hold">
+                                        <p:cTn id="36" dur="1" fill="hold">
                                           <p:stCondLst>
                                             <p:cond delay="0"/>
                                           </p:stCondLst>
                                         </p:cTn>
                                         <p:tgtEl>
-                                          <p:spTgt spid="26"/>
+                                          <p:spTgt spid="30"/>
                                         </p:tgtEl>
                                         <p:attrNameLst>
                                           <p:attrName>style.visibility</p:attrName>
@@ -16670,217 +16529,6 @@
                                         <p:strVal val="visible"/>
                                       </p:to>
                                     </p:set>
-                                    <p:anim calcmode="lin" valueType="num">
-                                      <p:cBhvr>
-                                        <p:cTn id="45" dur="1000" fill="hold"/>
-                                        <p:tgtEl>
-                                          <p:spTgt spid="26"/>
-                                        </p:tgtEl>
-                                        <p:attrNameLst>
-                                          <p:attrName>ppt_w</p:attrName>
-                                        </p:attrNameLst>
-                                      </p:cBhvr>
-                                      <p:tavLst>
-                                        <p:tav tm="0">
-                                          <p:val>
-                                            <p:fltVal val="0"/>
-                                          </p:val>
-                                        </p:tav>
-                                        <p:tav tm="100000">
-                                          <p:val>
-                                            <p:strVal val="#ppt_w"/>
-                                          </p:val>
-                                        </p:tav>
-                                      </p:tavLst>
-                                    </p:anim>
-                                    <p:anim calcmode="lin" valueType="num">
-                                      <p:cBhvr>
-                                        <p:cTn id="46" dur="1000" fill="hold"/>
-                                        <p:tgtEl>
-                                          <p:spTgt spid="26"/>
-                                        </p:tgtEl>
-                                        <p:attrNameLst>
-                                          <p:attrName>ppt_h</p:attrName>
-                                        </p:attrNameLst>
-                                      </p:cBhvr>
-                                      <p:tavLst>
-                                        <p:tav tm="0">
-                                          <p:val>
-                                            <p:fltVal val="0"/>
-                                          </p:val>
-                                        </p:tav>
-                                        <p:tav tm="100000">
-                                          <p:val>
-                                            <p:strVal val="#ppt_h"/>
-                                          </p:val>
-                                        </p:tav>
-                                      </p:tavLst>
-                                    </p:anim>
-                                    <p:anim calcmode="lin" valueType="num">
-                                      <p:cBhvr>
-                                        <p:cTn id="47" dur="1000" fill="hold"/>
-                                        <p:tgtEl>
-                                          <p:spTgt spid="26"/>
-                                        </p:tgtEl>
-                                        <p:attrNameLst>
-                                          <p:attrName>ppt_x</p:attrName>
-                                        </p:attrNameLst>
-                                      </p:cBhvr>
-                                      <p:tavLst>
-                                        <p:tav tm="0" fmla="#ppt_x+(cos(-2*pi*(1-$))*-#ppt_x-sin(-2*pi*(1-$))*(1-#ppt_y))*(1-$)">
-                                          <p:val>
-                                            <p:fltVal val="0"/>
-                                          </p:val>
-                                        </p:tav>
-                                        <p:tav tm="100000">
-                                          <p:val>
-                                            <p:fltVal val="1"/>
-                                          </p:val>
-                                        </p:tav>
-                                      </p:tavLst>
-                                    </p:anim>
-                                    <p:anim calcmode="lin" valueType="num">
-                                      <p:cBhvr>
-                                        <p:cTn id="48" dur="1000" fill="hold"/>
-                                        <p:tgtEl>
-                                          <p:spTgt spid="26"/>
-                                        </p:tgtEl>
-                                        <p:attrNameLst>
-                                          <p:attrName>ppt_y</p:attrName>
-                                        </p:attrNameLst>
-                                      </p:cBhvr>
-                                      <p:tavLst>
-                                        <p:tav tm="0" fmla="#ppt_y+(sin(-2*pi*(1-$))*-#ppt_x+cos(-2*pi*(1-$))*(1-#ppt_y))*(1-$)">
-                                          <p:val>
-                                            <p:fltVal val="0"/>
-                                          </p:val>
-                                        </p:tav>
-                                        <p:tav tm="100000">
-                                          <p:val>
-                                            <p:fltVal val="1"/>
-                                          </p:val>
-                                        </p:tav>
-                                      </p:tavLst>
-                                    </p:anim>
-                                  </p:childTnLst>
-                                </p:cTn>
-                              </p:par>
-                              <p:par>
-                                <p:cTn id="49" presetID="15" presetClass="entr" presetSubtype="0" fill="hold" nodeType="withEffect">
-                                  <p:stCondLst>
-                                    <p:cond delay="0"/>
-                                  </p:stCondLst>
-                                  <p:childTnLst>
-                                    <p:set>
-                                      <p:cBhvr>
-                                        <p:cTn id="50" dur="1" fill="hold">
-                                          <p:stCondLst>
-                                            <p:cond delay="0"/>
-                                          </p:stCondLst>
-                                        </p:cTn>
-                                        <p:tgtEl>
-                                          <p:spTgt spid="23"/>
-                                        </p:tgtEl>
-                                        <p:attrNameLst>
-                                          <p:attrName>style.visibility</p:attrName>
-                                        </p:attrNameLst>
-                                      </p:cBhvr>
-                                      <p:to>
-                                        <p:strVal val="visible"/>
-                                      </p:to>
-                                    </p:set>
-                                    <p:anim calcmode="lin" valueType="num">
-                                      <p:cBhvr>
-                                        <p:cTn id="51" dur="1000" fill="hold"/>
-                                        <p:tgtEl>
-                                          <p:spTgt spid="23"/>
-                                        </p:tgtEl>
-                                        <p:attrNameLst>
-                                          <p:attrName>ppt_w</p:attrName>
-                                        </p:attrNameLst>
-                                      </p:cBhvr>
-                                      <p:tavLst>
-                                        <p:tav tm="0">
-                                          <p:val>
-                                            <p:fltVal val="0"/>
-                                          </p:val>
-                                        </p:tav>
-                                        <p:tav tm="100000">
-                                          <p:val>
-                                            <p:strVal val="#ppt_w"/>
-                                          </p:val>
-                                        </p:tav>
-                                      </p:tavLst>
-                                    </p:anim>
-                                    <p:anim calcmode="lin" valueType="num">
-                                      <p:cBhvr>
-                                        <p:cTn id="52" dur="1000" fill="hold"/>
-                                        <p:tgtEl>
-                                          <p:spTgt spid="23"/>
-                                        </p:tgtEl>
-                                        <p:attrNameLst>
-                                          <p:attrName>ppt_h</p:attrName>
-                                        </p:attrNameLst>
-                                      </p:cBhvr>
-                                      <p:tavLst>
-                                        <p:tav tm="0">
-                                          <p:val>
-                                            <p:fltVal val="0"/>
-                                          </p:val>
-                                        </p:tav>
-                                        <p:tav tm="100000">
-                                          <p:val>
-                                            <p:strVal val="#ppt_h"/>
-                                          </p:val>
-                                        </p:tav>
-                                      </p:tavLst>
-                                    </p:anim>
-                                    <p:anim calcmode="lin" valueType="num">
-                                      <p:cBhvr>
-                                        <p:cTn id="53" dur="1000" fill="hold"/>
-                                        <p:tgtEl>
-                                          <p:spTgt spid="23"/>
-                                        </p:tgtEl>
-                                        <p:attrNameLst>
-                                          <p:attrName>ppt_x</p:attrName>
-                                        </p:attrNameLst>
-                                      </p:cBhvr>
-                                      <p:tavLst>
-                                        <p:tav tm="0" fmla="#ppt_x+(cos(-2*pi*(1-$))*-#ppt_x-sin(-2*pi*(1-$))*(1-#ppt_y))*(1-$)">
-                                          <p:val>
-                                            <p:fltVal val="0"/>
-                                          </p:val>
-                                        </p:tav>
-                                        <p:tav tm="100000">
-                                          <p:val>
-                                            <p:fltVal val="1"/>
-                                          </p:val>
-                                        </p:tav>
-                                      </p:tavLst>
-                                    </p:anim>
-                                    <p:anim calcmode="lin" valueType="num">
-                                      <p:cBhvr>
-                                        <p:cTn id="54" dur="1000" fill="hold"/>
-                                        <p:tgtEl>
-                                          <p:spTgt spid="23"/>
-                                        </p:tgtEl>
-                                        <p:attrNameLst>
-                                          <p:attrName>ppt_y</p:attrName>
-                                        </p:attrNameLst>
-                                      </p:cBhvr>
-                                      <p:tavLst>
-                                        <p:tav tm="0" fmla="#ppt_y+(sin(-2*pi*(1-$))*-#ppt_x+cos(-2*pi*(1-$))*(1-#ppt_y))*(1-$)">
-                                          <p:val>
-                                            <p:fltVal val="0"/>
-                                          </p:val>
-                                        </p:tav>
-                                        <p:tav tm="100000">
-                                          <p:val>
-                                            <p:fltVal val="1"/>
-                                          </p:val>
-                                        </p:tav>
-                                      </p:tavLst>
-                                    </p:anim>
                                   </p:childTnLst>
                                 </p:cTn>
                               </p:par>
@@ -16891,26 +16539,98 @@
                     </p:cTn>
                   </p:par>
                   <p:par>
-                    <p:cTn id="55" fill="hold">
+                    <p:cTn id="37" fill="hold">
                       <p:stCondLst>
                         <p:cond delay="indefinite"/>
                       </p:stCondLst>
                       <p:childTnLst>
                         <p:par>
-                          <p:cTn id="56" fill="hold">
+                          <p:cTn id="38" fill="hold">
                             <p:stCondLst>
                               <p:cond delay="0"/>
                             </p:stCondLst>
                             <p:childTnLst>
                               <p:par>
-                                <p:cTn id="57" presetID="15" presetClass="entr" presetSubtype="0" fill="hold" nodeType="clickEffect">
+                                <p:cTn id="39" presetID="1" presetClass="entr" presetSubtype="0" fill="hold" nodeType="clickEffect">
                                   <p:stCondLst>
                                     <p:cond delay="0"/>
                                   </p:stCondLst>
                                   <p:childTnLst>
                                     <p:set>
                                       <p:cBhvr>
-                                        <p:cTn id="58" dur="1" fill="hold">
+                                        <p:cTn id="40" dur="1" fill="hold">
+                                          <p:stCondLst>
+                                            <p:cond delay="0"/>
+                                          </p:stCondLst>
+                                        </p:cTn>
+                                        <p:tgtEl>
+                                          <p:spTgt spid="37"/>
+                                        </p:tgtEl>
+                                        <p:attrNameLst>
+                                          <p:attrName>style.visibility</p:attrName>
+                                        </p:attrNameLst>
+                                      </p:cBhvr>
+                                      <p:to>
+                                        <p:strVal val="visible"/>
+                                      </p:to>
+                                    </p:set>
+                                  </p:childTnLst>
+                                </p:cTn>
+                              </p:par>
+                              <p:par>
+                                <p:cTn id="41" presetID="1" presetClass="entr" presetSubtype="0" fill="hold" nodeType="withEffect">
+                                  <p:stCondLst>
+                                    <p:cond delay="0"/>
+                                  </p:stCondLst>
+                                  <p:childTnLst>
+                                    <p:set>
+                                      <p:cBhvr>
+                                        <p:cTn id="42" dur="1" fill="hold">
+                                          <p:stCondLst>
+                                            <p:cond delay="0"/>
+                                          </p:stCondLst>
+                                        </p:cTn>
+                                        <p:tgtEl>
+                                          <p:spTgt spid="36"/>
+                                        </p:tgtEl>
+                                        <p:attrNameLst>
+                                          <p:attrName>style.visibility</p:attrName>
+                                        </p:attrNameLst>
+                                      </p:cBhvr>
+                                      <p:to>
+                                        <p:strVal val="visible"/>
+                                      </p:to>
+                                    </p:set>
+                                  </p:childTnLst>
+                                </p:cTn>
+                              </p:par>
+                            </p:childTnLst>
+                          </p:cTn>
+                        </p:par>
+                      </p:childTnLst>
+                    </p:cTn>
+                  </p:par>
+                  <p:par>
+                    <p:cTn id="43" fill="hold">
+                      <p:stCondLst>
+                        <p:cond delay="indefinite"/>
+                      </p:stCondLst>
+                      <p:childTnLst>
+                        <p:par>
+                          <p:cTn id="44" fill="hold">
+                            <p:stCondLst>
+                              <p:cond delay="0"/>
+                            </p:stCondLst>
+                            <p:childTnLst>
+                              <p:par>
+                                <p:cTn id="45" presetID="15" presetClass="entr" presetSubtype="0" fill="hold" nodeType="clickEffect">
+                                  <p:stCondLst>
+                                    <p:cond delay="0"/>
+                                  </p:stCondLst>
+                                  <p:childTnLst>
+                                    <p:set>
+                                      <p:cBhvr>
+                                        <p:cTn id="46" dur="1" fill="hold">
                                           <p:stCondLst>
                                             <p:cond delay="0"/>
                                           </p:stCondLst>
@@ -16928,7 +16648,7 @@
                                     </p:set>
                                     <p:anim calcmode="lin" valueType="num">
                                       <p:cBhvr>
-                                        <p:cTn id="59" dur="1000" fill="hold"/>
+                                        <p:cTn id="47" dur="1000" fill="hold"/>
                                         <p:tgtEl>
                                           <p:spTgt spid="16"/>
                                         </p:tgtEl>
@@ -16951,7 +16671,7 @@
                                     </p:anim>
                                     <p:anim calcmode="lin" valueType="num">
                                       <p:cBhvr>
-                                        <p:cTn id="60" dur="1000" fill="hold"/>
+                                        <p:cTn id="48" dur="1000" fill="hold"/>
                                         <p:tgtEl>
                                           <p:spTgt spid="16"/>
                                         </p:tgtEl>
@@ -16974,7 +16694,7 @@
                                     </p:anim>
                                     <p:anim calcmode="lin" valueType="num">
                                       <p:cBhvr>
-                                        <p:cTn id="61" dur="1000" fill="hold"/>
+                                        <p:cTn id="49" dur="1000" fill="hold"/>
                                         <p:tgtEl>
                                           <p:spTgt spid="16"/>
                                         </p:tgtEl>
@@ -16997,7 +16717,7 @@
                                     </p:anim>
                                     <p:anim calcmode="lin" valueType="num">
                                       <p:cBhvr>
-                                        <p:cTn id="62" dur="1000" fill="hold"/>
+                                        <p:cTn id="50" dur="1000" fill="hold"/>
                                         <p:tgtEl>
                                           <p:spTgt spid="16"/>
                                         </p:tgtEl>
